--- a/pptx/flyer-letter-landscape-duplex.pptx
+++ b/pptx/flyer-letter-landscape-duplex.pptx
@@ -194,7 +194,7 @@
             <a:fld id="{E6B69B9A-EBF2-40A2-9D44-D8894D76E5AA}" type="datetimeFigureOut">
               <a:rPr lang="en-US" smtClean="0"/>
               <a:pPr/>
-              <a:t>3/17/2023</a:t>
+              <a:t>3/18/2023</a:t>
             </a:fld>
             <a:endParaRPr lang="en-US"/>
           </a:p>
@@ -806,7 +806,7 @@
             <a:fld id="{FFAEE2A6-3326-4110-86FD-7999FAF84882}" type="datetimeFigureOut">
               <a:rPr lang="en-US" smtClean="0"/>
               <a:pPr/>
-              <a:t>3/17/2023</a:t>
+              <a:t>3/18/2023</a:t>
             </a:fld>
             <a:endParaRPr lang="en-US"/>
           </a:p>
@@ -973,7 +973,7 @@
             <a:fld id="{FFAEE2A6-3326-4110-86FD-7999FAF84882}" type="datetimeFigureOut">
               <a:rPr lang="en-US" smtClean="0"/>
               <a:pPr/>
-              <a:t>3/17/2023</a:t>
+              <a:t>3/18/2023</a:t>
             </a:fld>
             <a:endParaRPr lang="en-US"/>
           </a:p>
@@ -1150,7 +1150,7 @@
             <a:fld id="{FFAEE2A6-3326-4110-86FD-7999FAF84882}" type="datetimeFigureOut">
               <a:rPr lang="en-US" smtClean="0"/>
               <a:pPr/>
-              <a:t>3/17/2023</a:t>
+              <a:t>3/18/2023</a:t>
             </a:fld>
             <a:endParaRPr lang="en-US"/>
           </a:p>
@@ -1317,7 +1317,7 @@
             <a:fld id="{FFAEE2A6-3326-4110-86FD-7999FAF84882}" type="datetimeFigureOut">
               <a:rPr lang="en-US" smtClean="0"/>
               <a:pPr/>
-              <a:t>3/17/2023</a:t>
+              <a:t>3/18/2023</a:t>
             </a:fld>
             <a:endParaRPr lang="en-US"/>
           </a:p>
@@ -1560,7 +1560,7 @@
             <a:fld id="{FFAEE2A6-3326-4110-86FD-7999FAF84882}" type="datetimeFigureOut">
               <a:rPr lang="en-US" smtClean="0"/>
               <a:pPr/>
-              <a:t>3/17/2023</a:t>
+              <a:t>3/18/2023</a:t>
             </a:fld>
             <a:endParaRPr lang="en-US"/>
           </a:p>
@@ -1845,7 +1845,7 @@
             <a:fld id="{FFAEE2A6-3326-4110-86FD-7999FAF84882}" type="datetimeFigureOut">
               <a:rPr lang="en-US" smtClean="0"/>
               <a:pPr/>
-              <a:t>3/17/2023</a:t>
+              <a:t>3/18/2023</a:t>
             </a:fld>
             <a:endParaRPr lang="en-US"/>
           </a:p>
@@ -2264,7 +2264,7 @@
             <a:fld id="{FFAEE2A6-3326-4110-86FD-7999FAF84882}" type="datetimeFigureOut">
               <a:rPr lang="en-US" smtClean="0"/>
               <a:pPr/>
-              <a:t>3/17/2023</a:t>
+              <a:t>3/18/2023</a:t>
             </a:fld>
             <a:endParaRPr lang="en-US"/>
           </a:p>
@@ -2379,7 +2379,7 @@
             <a:fld id="{FFAEE2A6-3326-4110-86FD-7999FAF84882}" type="datetimeFigureOut">
               <a:rPr lang="en-US" smtClean="0"/>
               <a:pPr/>
-              <a:t>3/17/2023</a:t>
+              <a:t>3/18/2023</a:t>
             </a:fld>
             <a:endParaRPr lang="en-US"/>
           </a:p>
@@ -2471,7 +2471,7 @@
             <a:fld id="{FFAEE2A6-3326-4110-86FD-7999FAF84882}" type="datetimeFigureOut">
               <a:rPr lang="en-US" smtClean="0"/>
               <a:pPr/>
-              <a:t>3/17/2023</a:t>
+              <a:t>3/18/2023</a:t>
             </a:fld>
             <a:endParaRPr lang="en-US"/>
           </a:p>
@@ -2745,7 +2745,7 @@
             <a:fld id="{FFAEE2A6-3326-4110-86FD-7999FAF84882}" type="datetimeFigureOut">
               <a:rPr lang="en-US" smtClean="0"/>
               <a:pPr/>
-              <a:t>3/17/2023</a:t>
+              <a:t>3/18/2023</a:t>
             </a:fld>
             <a:endParaRPr lang="en-US"/>
           </a:p>
@@ -2995,7 +2995,7 @@
             <a:fld id="{FFAEE2A6-3326-4110-86FD-7999FAF84882}" type="datetimeFigureOut">
               <a:rPr lang="en-US" smtClean="0"/>
               <a:pPr/>
-              <a:t>3/17/2023</a:t>
+              <a:t>3/18/2023</a:t>
             </a:fld>
             <a:endParaRPr lang="en-US"/>
           </a:p>
@@ -3205,7 +3205,7 @@
             <a:fld id="{FFAEE2A6-3326-4110-86FD-7999FAF84882}" type="datetimeFigureOut">
               <a:rPr lang="en-US" smtClean="0"/>
               <a:pPr/>
-              <a:t>3/17/2023</a:t>
+              <a:t>3/18/2023</a:t>
             </a:fld>
             <a:endParaRPr lang="en-US"/>
           </a:p>
@@ -3683,7 +3683,7 @@
               <a:lstStyle/>
               <a:p>
                 <a:r>
-                  <a:rPr lang="pl-PL" sz="1000" dirty="0" smtClean="0">
+                  <a:rPr lang="en-US" sz="1000" dirty="0" smtClean="0">
                     <a:uFill>
                       <a:solidFill>
                         <a:schemeClr val="tx1">
@@ -3695,35 +3695,8 @@
                     <a:latin typeface="Calibri Light" pitchFamily="34" charset="0"/>
                     <a:cs typeface="Calibri Light" pitchFamily="34" charset="0"/>
                   </a:rPr>
-                  <a:t>${tab_12_heading</a:t>
+                  <a:t>${tab_12_heading}</a:t>
                 </a:r>
-                <a:r>
-                  <a:rPr lang="pl-PL" sz="1000" dirty="0" smtClean="0">
-                    <a:uFill>
-                      <a:solidFill>
-                        <a:schemeClr val="tx1">
-                          <a:lumMod val="50000"/>
-                          <a:lumOff val="50000"/>
-                        </a:schemeClr>
-                      </a:solidFill>
-                    </a:uFill>
-                    <a:latin typeface="Calibri Light" pitchFamily="34" charset="0"/>
-                    <a:cs typeface="Calibri Light" pitchFamily="34" charset="0"/>
-                  </a:rPr>
-                  <a:t>}</a:t>
-                </a:r>
-                <a:endParaRPr lang="pl-PL" sz="1000" dirty="0" smtClean="0">
-                  <a:uFill>
-                    <a:solidFill>
-                      <a:schemeClr val="tx1">
-                        <a:lumMod val="50000"/>
-                        <a:lumOff val="50000"/>
-                      </a:schemeClr>
-                    </a:solidFill>
-                  </a:uFill>
-                  <a:latin typeface="Calibri Light" pitchFamily="34" charset="0"/>
-                  <a:cs typeface="Calibri Light" pitchFamily="34" charset="0"/>
-                </a:endParaRPr>
               </a:p>
             </p:txBody>
           </p:sp>
@@ -3766,35 +3739,8 @@
                     <a:latin typeface="Calibri Light" pitchFamily="34" charset="0"/>
                     <a:cs typeface="Calibri Light" pitchFamily="34" charset="0"/>
                   </a:rPr>
-                  <a:t>${tab_11_heading</a:t>
+                  <a:t>${tab_11_heading}</a:t>
                 </a:r>
-                <a:r>
-                  <a:rPr lang="pl-PL" sz="1000" dirty="0" smtClean="0">
-                    <a:uFill>
-                      <a:solidFill>
-                        <a:schemeClr val="tx1">
-                          <a:lumMod val="50000"/>
-                          <a:lumOff val="50000"/>
-                        </a:schemeClr>
-                      </a:solidFill>
-                    </a:uFill>
-                    <a:latin typeface="Calibri Light" pitchFamily="34" charset="0"/>
-                    <a:cs typeface="Calibri Light" pitchFamily="34" charset="0"/>
-                  </a:rPr>
-                  <a:t>}</a:t>
-                </a:r>
-                <a:endParaRPr lang="pl-PL" sz="1000" dirty="0" smtClean="0">
-                  <a:uFill>
-                    <a:solidFill>
-                      <a:schemeClr val="tx1">
-                        <a:lumMod val="50000"/>
-                        <a:lumOff val="50000"/>
-                      </a:schemeClr>
-                    </a:solidFill>
-                  </a:uFill>
-                  <a:latin typeface="Calibri Light" pitchFamily="34" charset="0"/>
-                  <a:cs typeface="Calibri Light" pitchFamily="34" charset="0"/>
-                </a:endParaRPr>
               </a:p>
             </p:txBody>
           </p:sp>
@@ -3837,35 +3783,8 @@
                     <a:latin typeface="Calibri Light" pitchFamily="34" charset="0"/>
                     <a:cs typeface="Calibri Light" pitchFamily="34" charset="0"/>
                   </a:rPr>
-                  <a:t>${tab_10_heading</a:t>
+                  <a:t>${tab_10_heading}</a:t>
                 </a:r>
-                <a:r>
-                  <a:rPr lang="pl-PL" sz="1000" dirty="0" smtClean="0">
-                    <a:uFill>
-                      <a:solidFill>
-                        <a:schemeClr val="tx1">
-                          <a:lumMod val="50000"/>
-                          <a:lumOff val="50000"/>
-                        </a:schemeClr>
-                      </a:solidFill>
-                    </a:uFill>
-                    <a:latin typeface="Calibri Light" pitchFamily="34" charset="0"/>
-                    <a:cs typeface="Calibri Light" pitchFamily="34" charset="0"/>
-                  </a:rPr>
-                  <a:t>}</a:t>
-                </a:r>
-                <a:endParaRPr lang="pl-PL" sz="1000" dirty="0" smtClean="0">
-                  <a:uFill>
-                    <a:solidFill>
-                      <a:schemeClr val="tx1">
-                        <a:lumMod val="50000"/>
-                        <a:lumOff val="50000"/>
-                      </a:schemeClr>
-                    </a:solidFill>
-                  </a:uFill>
-                  <a:latin typeface="Calibri Light" pitchFamily="34" charset="0"/>
-                  <a:cs typeface="Calibri Light" pitchFamily="34" charset="0"/>
-                </a:endParaRPr>
               </a:p>
             </p:txBody>
           </p:sp>
@@ -3908,35 +3827,8 @@
                     <a:latin typeface="Calibri Light" pitchFamily="34" charset="0"/>
                     <a:cs typeface="Calibri Light" pitchFamily="34" charset="0"/>
                   </a:rPr>
-                  <a:t>${tab_9_heading</a:t>
+                  <a:t>${tab_9_heading}</a:t>
                 </a:r>
-                <a:r>
-                  <a:rPr lang="pl-PL" sz="1000" dirty="0" smtClean="0">
-                    <a:uFill>
-                      <a:solidFill>
-                        <a:schemeClr val="tx1">
-                          <a:lumMod val="50000"/>
-                          <a:lumOff val="50000"/>
-                        </a:schemeClr>
-                      </a:solidFill>
-                    </a:uFill>
-                    <a:latin typeface="Calibri Light" pitchFamily="34" charset="0"/>
-                    <a:cs typeface="Calibri Light" pitchFamily="34" charset="0"/>
-                  </a:rPr>
-                  <a:t>}</a:t>
-                </a:r>
-                <a:endParaRPr lang="pl-PL" sz="1000" dirty="0" smtClean="0">
-                  <a:uFill>
-                    <a:solidFill>
-                      <a:schemeClr val="tx1">
-                        <a:lumMod val="50000"/>
-                        <a:lumOff val="50000"/>
-                      </a:schemeClr>
-                    </a:solidFill>
-                  </a:uFill>
-                  <a:latin typeface="Calibri Light" pitchFamily="34" charset="0"/>
-                  <a:cs typeface="Calibri Light" pitchFamily="34" charset="0"/>
-                </a:endParaRPr>
               </a:p>
             </p:txBody>
           </p:sp>
@@ -3979,35 +3871,8 @@
                     <a:latin typeface="Calibri Light" pitchFamily="34" charset="0"/>
                     <a:cs typeface="Calibri Light" pitchFamily="34" charset="0"/>
                   </a:rPr>
-                  <a:t>${tab_8_heading</a:t>
+                  <a:t>${tab_8_heading}</a:t>
                 </a:r>
-                <a:r>
-                  <a:rPr lang="pl-PL" sz="1000" dirty="0" smtClean="0">
-                    <a:uFill>
-                      <a:solidFill>
-                        <a:schemeClr val="tx1">
-                          <a:lumMod val="50000"/>
-                          <a:lumOff val="50000"/>
-                        </a:schemeClr>
-                      </a:solidFill>
-                    </a:uFill>
-                    <a:latin typeface="Calibri Light" pitchFamily="34" charset="0"/>
-                    <a:cs typeface="Calibri Light" pitchFamily="34" charset="0"/>
-                  </a:rPr>
-                  <a:t>}</a:t>
-                </a:r>
-                <a:endParaRPr lang="pl-PL" sz="1000" dirty="0" smtClean="0">
-                  <a:uFill>
-                    <a:solidFill>
-                      <a:schemeClr val="tx1">
-                        <a:lumMod val="50000"/>
-                        <a:lumOff val="50000"/>
-                      </a:schemeClr>
-                    </a:solidFill>
-                  </a:uFill>
-                  <a:latin typeface="Calibri Light" pitchFamily="34" charset="0"/>
-                  <a:cs typeface="Calibri Light" pitchFamily="34" charset="0"/>
-                </a:endParaRPr>
               </a:p>
             </p:txBody>
           </p:sp>
@@ -4050,35 +3915,8 @@
                     <a:latin typeface="Calibri Light" pitchFamily="34" charset="0"/>
                     <a:cs typeface="Calibri Light" pitchFamily="34" charset="0"/>
                   </a:rPr>
-                  <a:t>${tab_7_heading</a:t>
+                  <a:t>${tab_7_heading}</a:t>
                 </a:r>
-                <a:r>
-                  <a:rPr lang="pl-PL" sz="1000" dirty="0" smtClean="0">
-                    <a:uFill>
-                      <a:solidFill>
-                        <a:schemeClr val="tx1">
-                          <a:lumMod val="50000"/>
-                          <a:lumOff val="50000"/>
-                        </a:schemeClr>
-                      </a:solidFill>
-                    </a:uFill>
-                    <a:latin typeface="Calibri Light" pitchFamily="34" charset="0"/>
-                    <a:cs typeface="Calibri Light" pitchFamily="34" charset="0"/>
-                  </a:rPr>
-                  <a:t>}</a:t>
-                </a:r>
-                <a:endParaRPr lang="pl-PL" sz="1000" dirty="0" smtClean="0">
-                  <a:uFill>
-                    <a:solidFill>
-                      <a:schemeClr val="tx1">
-                        <a:lumMod val="50000"/>
-                        <a:lumOff val="50000"/>
-                      </a:schemeClr>
-                    </a:solidFill>
-                  </a:uFill>
-                  <a:latin typeface="Calibri Light" pitchFamily="34" charset="0"/>
-                  <a:cs typeface="Calibri Light" pitchFamily="34" charset="0"/>
-                </a:endParaRPr>
               </a:p>
             </p:txBody>
           </p:sp>
@@ -4121,35 +3959,8 @@
                     <a:latin typeface="Calibri Light" pitchFamily="34" charset="0"/>
                     <a:cs typeface="Calibri Light" pitchFamily="34" charset="0"/>
                   </a:rPr>
-                  <a:t>${tab_6_heading</a:t>
+                  <a:t>${tab_6_heading}</a:t>
                 </a:r>
-                <a:r>
-                  <a:rPr lang="pl-PL" sz="1000" dirty="0" smtClean="0">
-                    <a:uFill>
-                      <a:solidFill>
-                        <a:schemeClr val="tx1">
-                          <a:lumMod val="50000"/>
-                          <a:lumOff val="50000"/>
-                        </a:schemeClr>
-                      </a:solidFill>
-                    </a:uFill>
-                    <a:latin typeface="Calibri Light" pitchFamily="34" charset="0"/>
-                    <a:cs typeface="Calibri Light" pitchFamily="34" charset="0"/>
-                  </a:rPr>
-                  <a:t>}</a:t>
-                </a:r>
-                <a:endParaRPr lang="pl-PL" sz="1000" dirty="0" smtClean="0">
-                  <a:uFill>
-                    <a:solidFill>
-                      <a:schemeClr val="tx1">
-                        <a:lumMod val="50000"/>
-                        <a:lumOff val="50000"/>
-                      </a:schemeClr>
-                    </a:solidFill>
-                  </a:uFill>
-                  <a:latin typeface="Calibri Light" pitchFamily="34" charset="0"/>
-                  <a:cs typeface="Calibri Light" pitchFamily="34" charset="0"/>
-                </a:endParaRPr>
               </a:p>
             </p:txBody>
           </p:sp>
@@ -4192,35 +4003,8 @@
                     <a:latin typeface="Calibri Light" pitchFamily="34" charset="0"/>
                     <a:cs typeface="Calibri Light" pitchFamily="34" charset="0"/>
                   </a:rPr>
-                  <a:t>${tab_5_heading</a:t>
+                  <a:t>${tab_5_heading}</a:t>
                 </a:r>
-                <a:r>
-                  <a:rPr lang="pl-PL" sz="1000" dirty="0" smtClean="0">
-                    <a:uFill>
-                      <a:solidFill>
-                        <a:schemeClr val="tx1">
-                          <a:lumMod val="50000"/>
-                          <a:lumOff val="50000"/>
-                        </a:schemeClr>
-                      </a:solidFill>
-                    </a:uFill>
-                    <a:latin typeface="Calibri Light" pitchFamily="34" charset="0"/>
-                    <a:cs typeface="Calibri Light" pitchFamily="34" charset="0"/>
-                  </a:rPr>
-                  <a:t>}</a:t>
-                </a:r>
-                <a:endParaRPr lang="pl-PL" sz="1000" dirty="0" smtClean="0">
-                  <a:uFill>
-                    <a:solidFill>
-                      <a:schemeClr val="tx1">
-                        <a:lumMod val="50000"/>
-                        <a:lumOff val="50000"/>
-                      </a:schemeClr>
-                    </a:solidFill>
-                  </a:uFill>
-                  <a:latin typeface="Calibri Light" pitchFamily="34" charset="0"/>
-                  <a:cs typeface="Calibri Light" pitchFamily="34" charset="0"/>
-                </a:endParaRPr>
               </a:p>
             </p:txBody>
           </p:sp>
@@ -4263,35 +4047,8 @@
                     <a:latin typeface="Calibri Light" pitchFamily="34" charset="0"/>
                     <a:cs typeface="Calibri Light" pitchFamily="34" charset="0"/>
                   </a:rPr>
-                  <a:t>${tab_4_heading</a:t>
+                  <a:t>${tab_4_heading}</a:t>
                 </a:r>
-                <a:r>
-                  <a:rPr lang="pl-PL" sz="1000" dirty="0" smtClean="0">
-                    <a:uFill>
-                      <a:solidFill>
-                        <a:schemeClr val="tx1">
-                          <a:lumMod val="50000"/>
-                          <a:lumOff val="50000"/>
-                        </a:schemeClr>
-                      </a:solidFill>
-                    </a:uFill>
-                    <a:latin typeface="Calibri Light" pitchFamily="34" charset="0"/>
-                    <a:cs typeface="Calibri Light" pitchFamily="34" charset="0"/>
-                  </a:rPr>
-                  <a:t>}</a:t>
-                </a:r>
-                <a:endParaRPr lang="pl-PL" sz="1000" dirty="0" smtClean="0">
-                  <a:uFill>
-                    <a:solidFill>
-                      <a:schemeClr val="tx1">
-                        <a:lumMod val="50000"/>
-                        <a:lumOff val="50000"/>
-                      </a:schemeClr>
-                    </a:solidFill>
-                  </a:uFill>
-                  <a:latin typeface="Calibri Light" pitchFamily="34" charset="0"/>
-                  <a:cs typeface="Calibri Light" pitchFamily="34" charset="0"/>
-                </a:endParaRPr>
               </a:p>
             </p:txBody>
           </p:sp>
@@ -4334,35 +4091,8 @@
                     <a:latin typeface="Calibri Light" pitchFamily="34" charset="0"/>
                     <a:cs typeface="Calibri Light" pitchFamily="34" charset="0"/>
                   </a:rPr>
-                  <a:t>${tab_3_heading</a:t>
+                  <a:t>${tab_3_heading}</a:t>
                 </a:r>
-                <a:r>
-                  <a:rPr lang="pl-PL" sz="1000" dirty="0" smtClean="0">
-                    <a:uFill>
-                      <a:solidFill>
-                        <a:schemeClr val="tx1">
-                          <a:lumMod val="50000"/>
-                          <a:lumOff val="50000"/>
-                        </a:schemeClr>
-                      </a:solidFill>
-                    </a:uFill>
-                    <a:latin typeface="Calibri Light" pitchFamily="34" charset="0"/>
-                    <a:cs typeface="Calibri Light" pitchFamily="34" charset="0"/>
-                  </a:rPr>
-                  <a:t>}</a:t>
-                </a:r>
-                <a:endParaRPr lang="pl-PL" sz="1000" dirty="0" smtClean="0">
-                  <a:uFill>
-                    <a:solidFill>
-                      <a:schemeClr val="tx1">
-                        <a:lumMod val="50000"/>
-                        <a:lumOff val="50000"/>
-                      </a:schemeClr>
-                    </a:solidFill>
-                  </a:uFill>
-                  <a:latin typeface="Calibri Light" pitchFamily="34" charset="0"/>
-                  <a:cs typeface="Calibri Light" pitchFamily="34" charset="0"/>
-                </a:endParaRPr>
               </a:p>
             </p:txBody>
           </p:sp>
@@ -4405,35 +4135,8 @@
                     <a:latin typeface="Calibri Light" pitchFamily="34" charset="0"/>
                     <a:cs typeface="Calibri Light" pitchFamily="34" charset="0"/>
                   </a:rPr>
-                  <a:t>${tab_2_heading</a:t>
+                  <a:t>${tab_2_heading}</a:t>
                 </a:r>
-                <a:r>
-                  <a:rPr lang="pl-PL" sz="1000" dirty="0" smtClean="0">
-                    <a:uFill>
-                      <a:solidFill>
-                        <a:schemeClr val="tx1">
-                          <a:lumMod val="50000"/>
-                          <a:lumOff val="50000"/>
-                        </a:schemeClr>
-                      </a:solidFill>
-                    </a:uFill>
-                    <a:latin typeface="Calibri Light" pitchFamily="34" charset="0"/>
-                    <a:cs typeface="Calibri Light" pitchFamily="34" charset="0"/>
-                  </a:rPr>
-                  <a:t>}</a:t>
-                </a:r>
-                <a:endParaRPr lang="pl-PL" sz="1000" dirty="0" smtClean="0">
-                  <a:uFill>
-                    <a:solidFill>
-                      <a:schemeClr val="tx1">
-                        <a:lumMod val="50000"/>
-                        <a:lumOff val="50000"/>
-                      </a:schemeClr>
-                    </a:solidFill>
-                  </a:uFill>
-                  <a:latin typeface="Calibri Light" pitchFamily="34" charset="0"/>
-                  <a:cs typeface="Calibri Light" pitchFamily="34" charset="0"/>
-                </a:endParaRPr>
               </a:p>
             </p:txBody>
           </p:sp>
@@ -4464,7 +4167,7 @@
               <a:lstStyle/>
               <a:p>
                 <a:r>
-                  <a:rPr lang="pl-PL" sz="1000" dirty="0" smtClean="0">
+                  <a:rPr lang="pl-PL" sz="1000" smtClean="0">
                     <a:uFill>
                       <a:solidFill>
                         <a:schemeClr val="tx1">
@@ -4476,22 +4179,7 @@
                     <a:latin typeface="Calibri Light" pitchFamily="34" charset="0"/>
                     <a:cs typeface="Calibri Light" pitchFamily="34" charset="0"/>
                   </a:rPr>
-                  <a:t>${tab_1_heading</a:t>
-                </a:r>
-                <a:r>
-                  <a:rPr lang="pl-PL" sz="1000" dirty="0" smtClean="0">
-                    <a:uFill>
-                      <a:solidFill>
-                        <a:schemeClr val="tx1">
-                          <a:lumMod val="50000"/>
-                          <a:lumOff val="50000"/>
-                        </a:schemeClr>
-                      </a:solidFill>
-                    </a:uFill>
-                    <a:latin typeface="Calibri Light" pitchFamily="34" charset="0"/>
-                    <a:cs typeface="Calibri Light" pitchFamily="34" charset="0"/>
-                  </a:rPr>
-                  <a:t>}</a:t>
+                  <a:t>${tab_1_heading}</a:t>
                 </a:r>
                 <a:endParaRPr lang="pl-PL" sz="1000" dirty="0" smtClean="0">
                   <a:uFill>
@@ -5100,14 +4788,7 @@
                     <a:latin typeface="Calibri Light" pitchFamily="34" charset="0"/>
                     <a:cs typeface="Calibri Light" pitchFamily="34" charset="0"/>
                   </a:rPr>
-                  <a:t>${tab_1_line_1</a:t>
-                </a:r>
-                <a:r>
-                  <a:rPr lang="pl-PL" sz="1000" dirty="0" smtClean="0">
-                    <a:latin typeface="Calibri Light" pitchFamily="34" charset="0"/>
-                    <a:cs typeface="Calibri Light" pitchFamily="34" charset="0"/>
-                  </a:rPr>
-                  <a:t>}</a:t>
+                  <a:t>${tab_1_line_1}</a:t>
                 </a:r>
               </a:p>
               <a:p>
@@ -5116,21 +4797,7 @@
                     <a:latin typeface="Calibri Light" pitchFamily="34" charset="0"/>
                     <a:cs typeface="Calibri Light" pitchFamily="34" charset="0"/>
                   </a:rPr>
-                  <a:t>${</a:t>
-                </a:r>
-                <a:r>
-                  <a:rPr lang="pl-PL" sz="1000" dirty="0" smtClean="0">
-                    <a:latin typeface="Calibri Light" pitchFamily="34" charset="0"/>
-                    <a:cs typeface="Calibri Light" pitchFamily="34" charset="0"/>
-                  </a:rPr>
-                  <a:t>tab_1_line_2</a:t>
-                </a:r>
-                <a:r>
-                  <a:rPr lang="pl-PL" sz="1000" dirty="0" smtClean="0">
-                    <a:latin typeface="Calibri Light" pitchFamily="34" charset="0"/>
-                    <a:cs typeface="Calibri Light" pitchFamily="34" charset="0"/>
-                  </a:rPr>
-                  <a:t>}</a:t>
+                  <a:t>${tab_1_line_2}</a:t>
                 </a:r>
                 <a:endParaRPr lang="en-US" sz="1000" dirty="0">
                   <a:latin typeface="Calibri Light" pitchFamily="34" charset="0"/>
@@ -5143,21 +4810,7 @@
                     <a:latin typeface="Calibri Light" pitchFamily="34" charset="0"/>
                     <a:cs typeface="Calibri Light" pitchFamily="34" charset="0"/>
                   </a:rPr>
-                  <a:t>${</a:t>
-                </a:r>
-                <a:r>
-                  <a:rPr lang="pl-PL" sz="1000" dirty="0" smtClean="0">
-                    <a:latin typeface="Calibri Light" pitchFamily="34" charset="0"/>
-                    <a:cs typeface="Calibri Light" pitchFamily="34" charset="0"/>
-                  </a:rPr>
-                  <a:t>tab_1_line_3</a:t>
-                </a:r>
-                <a:r>
-                  <a:rPr lang="pl-PL" sz="1000" dirty="0" smtClean="0">
-                    <a:latin typeface="Calibri Light" pitchFamily="34" charset="0"/>
-                    <a:cs typeface="Calibri Light" pitchFamily="34" charset="0"/>
-                  </a:rPr>
-                  <a:t>}</a:t>
+                  <a:t>${tab_1_line_3}</a:t>
                 </a:r>
                 <a:endParaRPr lang="pl-PL" sz="1000" dirty="0">
                   <a:latin typeface="Calibri Light" pitchFamily="34" charset="0"/>
@@ -5197,14 +4850,7 @@
                     <a:latin typeface="Calibri Light" pitchFamily="34" charset="0"/>
                     <a:cs typeface="Calibri Light" pitchFamily="34" charset="0"/>
                   </a:rPr>
-                  <a:t>${tab_2_line_1</a:t>
-                </a:r>
-                <a:r>
-                  <a:rPr lang="pl-PL" sz="1000" dirty="0" smtClean="0">
-                    <a:latin typeface="Calibri Light" pitchFamily="34" charset="0"/>
-                    <a:cs typeface="Calibri Light" pitchFamily="34" charset="0"/>
-                  </a:rPr>
-                  <a:t>}</a:t>
+                  <a:t>${tab_2_line_1}</a:t>
                 </a:r>
               </a:p>
               <a:p>
@@ -5213,21 +4859,7 @@
                     <a:latin typeface="Calibri Light" pitchFamily="34" charset="0"/>
                     <a:cs typeface="Calibri Light" pitchFamily="34" charset="0"/>
                   </a:rPr>
-                  <a:t>${</a:t>
-                </a:r>
-                <a:r>
-                  <a:rPr lang="pl-PL" sz="1000" dirty="0" smtClean="0">
-                    <a:latin typeface="Calibri Light" pitchFamily="34" charset="0"/>
-                    <a:cs typeface="Calibri Light" pitchFamily="34" charset="0"/>
-                  </a:rPr>
-                  <a:t>tab_2_line_2</a:t>
-                </a:r>
-                <a:r>
-                  <a:rPr lang="pl-PL" sz="1000" dirty="0" smtClean="0">
-                    <a:latin typeface="Calibri Light" pitchFamily="34" charset="0"/>
-                    <a:cs typeface="Calibri Light" pitchFamily="34" charset="0"/>
-                  </a:rPr>
-                  <a:t>}</a:t>
+                  <a:t>${tab_2_line_2}</a:t>
                 </a:r>
                 <a:endParaRPr lang="en-US" sz="1000" dirty="0">
                   <a:latin typeface="Calibri Light" pitchFamily="34" charset="0"/>
@@ -5240,21 +4872,7 @@
                     <a:latin typeface="Calibri Light" pitchFamily="34" charset="0"/>
                     <a:cs typeface="Calibri Light" pitchFamily="34" charset="0"/>
                   </a:rPr>
-                  <a:t>${</a:t>
-                </a:r>
-                <a:r>
-                  <a:rPr lang="pl-PL" sz="1000" dirty="0" smtClean="0">
-                    <a:latin typeface="Calibri Light" pitchFamily="34" charset="0"/>
-                    <a:cs typeface="Calibri Light" pitchFamily="34" charset="0"/>
-                  </a:rPr>
-                  <a:t>tab_2_line_3</a:t>
-                </a:r>
-                <a:r>
-                  <a:rPr lang="pl-PL" sz="1000" dirty="0" smtClean="0">
-                    <a:latin typeface="Calibri Light" pitchFamily="34" charset="0"/>
-                    <a:cs typeface="Calibri Light" pitchFamily="34" charset="0"/>
-                  </a:rPr>
-                  <a:t>}</a:t>
+                  <a:t>${tab_2_line_3}</a:t>
                 </a:r>
                 <a:endParaRPr lang="pl-PL" sz="1000" dirty="0">
                   <a:latin typeface="Calibri Light" pitchFamily="34" charset="0"/>
@@ -5294,14 +4912,7 @@
                     <a:latin typeface="Calibri Light" pitchFamily="34" charset="0"/>
                     <a:cs typeface="Calibri Light" pitchFamily="34" charset="0"/>
                   </a:rPr>
-                  <a:t>${tab_3_line_1</a:t>
-                </a:r>
-                <a:r>
-                  <a:rPr lang="pl-PL" sz="1000" dirty="0" smtClean="0">
-                    <a:latin typeface="Calibri Light" pitchFamily="34" charset="0"/>
-                    <a:cs typeface="Calibri Light" pitchFamily="34" charset="0"/>
-                  </a:rPr>
-                  <a:t>}</a:t>
+                  <a:t>${tab_3_line_1}</a:t>
                 </a:r>
               </a:p>
               <a:p>
@@ -5310,21 +4921,7 @@
                     <a:latin typeface="Calibri Light" pitchFamily="34" charset="0"/>
                     <a:cs typeface="Calibri Light" pitchFamily="34" charset="0"/>
                   </a:rPr>
-                  <a:t>${</a:t>
-                </a:r>
-                <a:r>
-                  <a:rPr lang="pl-PL" sz="1000" dirty="0" smtClean="0">
-                    <a:latin typeface="Calibri Light" pitchFamily="34" charset="0"/>
-                    <a:cs typeface="Calibri Light" pitchFamily="34" charset="0"/>
-                  </a:rPr>
-                  <a:t>tab_3_line_2</a:t>
-                </a:r>
-                <a:r>
-                  <a:rPr lang="pl-PL" sz="1000" dirty="0" smtClean="0">
-                    <a:latin typeface="Calibri Light" pitchFamily="34" charset="0"/>
-                    <a:cs typeface="Calibri Light" pitchFamily="34" charset="0"/>
-                  </a:rPr>
-                  <a:t>}</a:t>
+                  <a:t>${tab_3_line_2}</a:t>
                 </a:r>
                 <a:endParaRPr lang="en-US" sz="1000" dirty="0">
                   <a:latin typeface="Calibri Light" pitchFamily="34" charset="0"/>
@@ -5337,21 +4934,7 @@
                     <a:latin typeface="Calibri Light" pitchFamily="34" charset="0"/>
                     <a:cs typeface="Calibri Light" pitchFamily="34" charset="0"/>
                   </a:rPr>
-                  <a:t>${</a:t>
-                </a:r>
-                <a:r>
-                  <a:rPr lang="pl-PL" sz="1000" dirty="0" smtClean="0">
-                    <a:latin typeface="Calibri Light" pitchFamily="34" charset="0"/>
-                    <a:cs typeface="Calibri Light" pitchFamily="34" charset="0"/>
-                  </a:rPr>
-                  <a:t>tab_3_line_3</a:t>
-                </a:r>
-                <a:r>
-                  <a:rPr lang="pl-PL" sz="1000" dirty="0" smtClean="0">
-                    <a:latin typeface="Calibri Light" pitchFamily="34" charset="0"/>
-                    <a:cs typeface="Calibri Light" pitchFamily="34" charset="0"/>
-                  </a:rPr>
-                  <a:t>}</a:t>
+                  <a:t>${tab_3_line_3}</a:t>
                 </a:r>
                 <a:endParaRPr lang="pl-PL" sz="1000" dirty="0">
                   <a:latin typeface="Calibri Light" pitchFamily="34" charset="0"/>
@@ -5391,14 +4974,7 @@
                     <a:latin typeface="Calibri Light" pitchFamily="34" charset="0"/>
                     <a:cs typeface="Calibri Light" pitchFamily="34" charset="0"/>
                   </a:rPr>
-                  <a:t>${tab_4_line_1</a:t>
-                </a:r>
-                <a:r>
-                  <a:rPr lang="pl-PL" sz="1000" dirty="0" smtClean="0">
-                    <a:latin typeface="Calibri Light" pitchFamily="34" charset="0"/>
-                    <a:cs typeface="Calibri Light" pitchFamily="34" charset="0"/>
-                  </a:rPr>
-                  <a:t>}</a:t>
+                  <a:t>${tab_4_line_1}</a:t>
                 </a:r>
               </a:p>
               <a:p>
@@ -5407,21 +4983,7 @@
                     <a:latin typeface="Calibri Light" pitchFamily="34" charset="0"/>
                     <a:cs typeface="Calibri Light" pitchFamily="34" charset="0"/>
                   </a:rPr>
-                  <a:t>${</a:t>
-                </a:r>
-                <a:r>
-                  <a:rPr lang="pl-PL" sz="1000" dirty="0" smtClean="0">
-                    <a:latin typeface="Calibri Light" pitchFamily="34" charset="0"/>
-                    <a:cs typeface="Calibri Light" pitchFamily="34" charset="0"/>
-                  </a:rPr>
-                  <a:t>tab_4_line_2</a:t>
-                </a:r>
-                <a:r>
-                  <a:rPr lang="pl-PL" sz="1000" dirty="0" smtClean="0">
-                    <a:latin typeface="Calibri Light" pitchFamily="34" charset="0"/>
-                    <a:cs typeface="Calibri Light" pitchFamily="34" charset="0"/>
-                  </a:rPr>
-                  <a:t>}</a:t>
+                  <a:t>${tab_4_line_2}</a:t>
                 </a:r>
                 <a:endParaRPr lang="en-US" sz="1000" dirty="0">
                   <a:latin typeface="Calibri Light" pitchFamily="34" charset="0"/>
@@ -5434,21 +4996,7 @@
                     <a:latin typeface="Calibri Light" pitchFamily="34" charset="0"/>
                     <a:cs typeface="Calibri Light" pitchFamily="34" charset="0"/>
                   </a:rPr>
-                  <a:t>${</a:t>
-                </a:r>
-                <a:r>
-                  <a:rPr lang="pl-PL" sz="1000" dirty="0" smtClean="0">
-                    <a:latin typeface="Calibri Light" pitchFamily="34" charset="0"/>
-                    <a:cs typeface="Calibri Light" pitchFamily="34" charset="0"/>
-                  </a:rPr>
-                  <a:t>tab_4_line_3</a:t>
-                </a:r>
-                <a:r>
-                  <a:rPr lang="pl-PL" sz="1000" dirty="0" smtClean="0">
-                    <a:latin typeface="Calibri Light" pitchFamily="34" charset="0"/>
-                    <a:cs typeface="Calibri Light" pitchFamily="34" charset="0"/>
-                  </a:rPr>
-                  <a:t>}</a:t>
+                  <a:t>${tab_4_line_3}</a:t>
                 </a:r>
                 <a:endParaRPr lang="pl-PL" sz="1000" dirty="0">
                   <a:latin typeface="Calibri Light" pitchFamily="34" charset="0"/>
@@ -5488,14 +5036,7 @@
                     <a:latin typeface="Calibri Light" pitchFamily="34" charset="0"/>
                     <a:cs typeface="Calibri Light" pitchFamily="34" charset="0"/>
                   </a:rPr>
-                  <a:t>${tab_5_line_1</a:t>
-                </a:r>
-                <a:r>
-                  <a:rPr lang="pl-PL" sz="1000" dirty="0" smtClean="0">
-                    <a:latin typeface="Calibri Light" pitchFamily="34" charset="0"/>
-                    <a:cs typeface="Calibri Light" pitchFamily="34" charset="0"/>
-                  </a:rPr>
-                  <a:t>}</a:t>
+                  <a:t>${tab_5_line_1}</a:t>
                 </a:r>
               </a:p>
               <a:p>
@@ -5504,21 +5045,7 @@
                     <a:latin typeface="Calibri Light" pitchFamily="34" charset="0"/>
                     <a:cs typeface="Calibri Light" pitchFamily="34" charset="0"/>
                   </a:rPr>
-                  <a:t>${</a:t>
-                </a:r>
-                <a:r>
-                  <a:rPr lang="pl-PL" sz="1000" dirty="0" smtClean="0">
-                    <a:latin typeface="Calibri Light" pitchFamily="34" charset="0"/>
-                    <a:cs typeface="Calibri Light" pitchFamily="34" charset="0"/>
-                  </a:rPr>
-                  <a:t>tab_5_line_2</a:t>
-                </a:r>
-                <a:r>
-                  <a:rPr lang="pl-PL" sz="1000" dirty="0" smtClean="0">
-                    <a:latin typeface="Calibri Light" pitchFamily="34" charset="0"/>
-                    <a:cs typeface="Calibri Light" pitchFamily="34" charset="0"/>
-                  </a:rPr>
-                  <a:t>}</a:t>
+                  <a:t>${tab_5_line_2}</a:t>
                 </a:r>
                 <a:endParaRPr lang="en-US" sz="1000" dirty="0">
                   <a:latin typeface="Calibri Light" pitchFamily="34" charset="0"/>
@@ -5531,21 +5058,7 @@
                     <a:latin typeface="Calibri Light" pitchFamily="34" charset="0"/>
                     <a:cs typeface="Calibri Light" pitchFamily="34" charset="0"/>
                   </a:rPr>
-                  <a:t>${</a:t>
-                </a:r>
-                <a:r>
-                  <a:rPr lang="pl-PL" sz="1000" dirty="0" smtClean="0">
-                    <a:latin typeface="Calibri Light" pitchFamily="34" charset="0"/>
-                    <a:cs typeface="Calibri Light" pitchFamily="34" charset="0"/>
-                  </a:rPr>
-                  <a:t>tab_5_line_3</a:t>
-                </a:r>
-                <a:r>
-                  <a:rPr lang="pl-PL" sz="1000" dirty="0" smtClean="0">
-                    <a:latin typeface="Calibri Light" pitchFamily="34" charset="0"/>
-                    <a:cs typeface="Calibri Light" pitchFamily="34" charset="0"/>
-                  </a:rPr>
-                  <a:t>}</a:t>
+                  <a:t>${tab_5_line_3}</a:t>
                 </a:r>
                 <a:endParaRPr lang="pl-PL" sz="1000" dirty="0">
                   <a:latin typeface="Calibri Light" pitchFamily="34" charset="0"/>
@@ -5585,14 +5098,7 @@
                     <a:latin typeface="Calibri Light" pitchFamily="34" charset="0"/>
                     <a:cs typeface="Calibri Light" pitchFamily="34" charset="0"/>
                   </a:rPr>
-                  <a:t>${tab_6_line_1</a:t>
-                </a:r>
-                <a:r>
-                  <a:rPr lang="pl-PL" sz="1000" dirty="0" smtClean="0">
-                    <a:latin typeface="Calibri Light" pitchFamily="34" charset="0"/>
-                    <a:cs typeface="Calibri Light" pitchFamily="34" charset="0"/>
-                  </a:rPr>
-                  <a:t>}</a:t>
+                  <a:t>${tab_6_line_1}</a:t>
                 </a:r>
               </a:p>
               <a:p>
@@ -5601,21 +5107,7 @@
                     <a:latin typeface="Calibri Light" pitchFamily="34" charset="0"/>
                     <a:cs typeface="Calibri Light" pitchFamily="34" charset="0"/>
                   </a:rPr>
-                  <a:t>${</a:t>
-                </a:r>
-                <a:r>
-                  <a:rPr lang="pl-PL" sz="1000" dirty="0" smtClean="0">
-                    <a:latin typeface="Calibri Light" pitchFamily="34" charset="0"/>
-                    <a:cs typeface="Calibri Light" pitchFamily="34" charset="0"/>
-                  </a:rPr>
-                  <a:t>tab_6_line_2</a:t>
-                </a:r>
-                <a:r>
-                  <a:rPr lang="pl-PL" sz="1000" dirty="0" smtClean="0">
-                    <a:latin typeface="Calibri Light" pitchFamily="34" charset="0"/>
-                    <a:cs typeface="Calibri Light" pitchFamily="34" charset="0"/>
-                  </a:rPr>
-                  <a:t>}</a:t>
+                  <a:t>${tab_6_line_2}</a:t>
                 </a:r>
                 <a:endParaRPr lang="en-US" sz="1000" dirty="0">
                   <a:latin typeface="Calibri Light" pitchFamily="34" charset="0"/>
@@ -5628,21 +5120,7 @@
                     <a:latin typeface="Calibri Light" pitchFamily="34" charset="0"/>
                     <a:cs typeface="Calibri Light" pitchFamily="34" charset="0"/>
                   </a:rPr>
-                  <a:t>${</a:t>
-                </a:r>
-                <a:r>
-                  <a:rPr lang="pl-PL" sz="1000" dirty="0" smtClean="0">
-                    <a:latin typeface="Calibri Light" pitchFamily="34" charset="0"/>
-                    <a:cs typeface="Calibri Light" pitchFamily="34" charset="0"/>
-                  </a:rPr>
-                  <a:t>tab_6_line_3</a:t>
-                </a:r>
-                <a:r>
-                  <a:rPr lang="pl-PL" sz="1000" dirty="0" smtClean="0">
-                    <a:latin typeface="Calibri Light" pitchFamily="34" charset="0"/>
-                    <a:cs typeface="Calibri Light" pitchFamily="34" charset="0"/>
-                  </a:rPr>
-                  <a:t>}</a:t>
+                  <a:t>${tab_6_line_3}</a:t>
                 </a:r>
                 <a:endParaRPr lang="pl-PL" sz="1000" dirty="0">
                   <a:latin typeface="Calibri Light" pitchFamily="34" charset="0"/>
@@ -5682,14 +5160,7 @@
                     <a:latin typeface="Calibri Light" pitchFamily="34" charset="0"/>
                     <a:cs typeface="Calibri Light" pitchFamily="34" charset="0"/>
                   </a:rPr>
-                  <a:t>${tab_7_line_1</a:t>
-                </a:r>
-                <a:r>
-                  <a:rPr lang="pl-PL" sz="1000" dirty="0" smtClean="0">
-                    <a:latin typeface="Calibri Light" pitchFamily="34" charset="0"/>
-                    <a:cs typeface="Calibri Light" pitchFamily="34" charset="0"/>
-                  </a:rPr>
-                  <a:t>}</a:t>
+                  <a:t>${tab_7_line_1}</a:t>
                 </a:r>
               </a:p>
               <a:p>
@@ -5698,21 +5169,7 @@
                     <a:latin typeface="Calibri Light" pitchFamily="34" charset="0"/>
                     <a:cs typeface="Calibri Light" pitchFamily="34" charset="0"/>
                   </a:rPr>
-                  <a:t>${</a:t>
-                </a:r>
-                <a:r>
-                  <a:rPr lang="pl-PL" sz="1000" dirty="0" smtClean="0">
-                    <a:latin typeface="Calibri Light" pitchFamily="34" charset="0"/>
-                    <a:cs typeface="Calibri Light" pitchFamily="34" charset="0"/>
-                  </a:rPr>
-                  <a:t>tab_7_line_2</a:t>
-                </a:r>
-                <a:r>
-                  <a:rPr lang="pl-PL" sz="1000" dirty="0" smtClean="0">
-                    <a:latin typeface="Calibri Light" pitchFamily="34" charset="0"/>
-                    <a:cs typeface="Calibri Light" pitchFamily="34" charset="0"/>
-                  </a:rPr>
-                  <a:t>}</a:t>
+                  <a:t>${tab_7_line_2}</a:t>
                 </a:r>
                 <a:endParaRPr lang="en-US" sz="1000" dirty="0">
                   <a:latin typeface="Calibri Light" pitchFamily="34" charset="0"/>
@@ -5725,21 +5182,7 @@
                     <a:latin typeface="Calibri Light" pitchFamily="34" charset="0"/>
                     <a:cs typeface="Calibri Light" pitchFamily="34" charset="0"/>
                   </a:rPr>
-                  <a:t>${</a:t>
-                </a:r>
-                <a:r>
-                  <a:rPr lang="pl-PL" sz="1000" dirty="0" smtClean="0">
-                    <a:latin typeface="Calibri Light" pitchFamily="34" charset="0"/>
-                    <a:cs typeface="Calibri Light" pitchFamily="34" charset="0"/>
-                  </a:rPr>
-                  <a:t>tab_7_line_3</a:t>
-                </a:r>
-                <a:r>
-                  <a:rPr lang="pl-PL" sz="1000" dirty="0" smtClean="0">
-                    <a:latin typeface="Calibri Light" pitchFamily="34" charset="0"/>
-                    <a:cs typeface="Calibri Light" pitchFamily="34" charset="0"/>
-                  </a:rPr>
-                  <a:t>}</a:t>
+                  <a:t>${tab_7_line_3}</a:t>
                 </a:r>
                 <a:endParaRPr lang="pl-PL" sz="1000" dirty="0">
                   <a:latin typeface="Calibri Light" pitchFamily="34" charset="0"/>
@@ -5779,14 +5222,7 @@
                     <a:latin typeface="Calibri Light" pitchFamily="34" charset="0"/>
                     <a:cs typeface="Calibri Light" pitchFamily="34" charset="0"/>
                   </a:rPr>
-                  <a:t>${tab_8_line_1</a:t>
-                </a:r>
-                <a:r>
-                  <a:rPr lang="pl-PL" sz="1000" dirty="0" smtClean="0">
-                    <a:latin typeface="Calibri Light" pitchFamily="34" charset="0"/>
-                    <a:cs typeface="Calibri Light" pitchFamily="34" charset="0"/>
-                  </a:rPr>
-                  <a:t>}</a:t>
+                  <a:t>${tab_8_line_1}</a:t>
                 </a:r>
               </a:p>
               <a:p>
@@ -5795,21 +5231,7 @@
                     <a:latin typeface="Calibri Light" pitchFamily="34" charset="0"/>
                     <a:cs typeface="Calibri Light" pitchFamily="34" charset="0"/>
                   </a:rPr>
-                  <a:t>${</a:t>
-                </a:r>
-                <a:r>
-                  <a:rPr lang="pl-PL" sz="1000" dirty="0" smtClean="0">
-                    <a:latin typeface="Calibri Light" pitchFamily="34" charset="0"/>
-                    <a:cs typeface="Calibri Light" pitchFamily="34" charset="0"/>
-                  </a:rPr>
-                  <a:t>tab_8_line_2</a:t>
-                </a:r>
-                <a:r>
-                  <a:rPr lang="pl-PL" sz="1000" dirty="0" smtClean="0">
-                    <a:latin typeface="Calibri Light" pitchFamily="34" charset="0"/>
-                    <a:cs typeface="Calibri Light" pitchFamily="34" charset="0"/>
-                  </a:rPr>
-                  <a:t>}</a:t>
+                  <a:t>${tab_8_line_2}</a:t>
                 </a:r>
                 <a:endParaRPr lang="en-US" sz="1000" dirty="0">
                   <a:latin typeface="Calibri Light" pitchFamily="34" charset="0"/>
@@ -5822,21 +5244,7 @@
                     <a:latin typeface="Calibri Light" pitchFamily="34" charset="0"/>
                     <a:cs typeface="Calibri Light" pitchFamily="34" charset="0"/>
                   </a:rPr>
-                  <a:t>${</a:t>
-                </a:r>
-                <a:r>
-                  <a:rPr lang="pl-PL" sz="1000" dirty="0" smtClean="0">
-                    <a:latin typeface="Calibri Light" pitchFamily="34" charset="0"/>
-                    <a:cs typeface="Calibri Light" pitchFamily="34" charset="0"/>
-                  </a:rPr>
-                  <a:t>tab_8_line_3</a:t>
-                </a:r>
-                <a:r>
-                  <a:rPr lang="pl-PL" sz="1000" dirty="0" smtClean="0">
-                    <a:latin typeface="Calibri Light" pitchFamily="34" charset="0"/>
-                    <a:cs typeface="Calibri Light" pitchFamily="34" charset="0"/>
-                  </a:rPr>
-                  <a:t>}</a:t>
+                  <a:t>${tab_8_line_3}</a:t>
                 </a:r>
                 <a:endParaRPr lang="pl-PL" sz="1000" dirty="0">
                   <a:latin typeface="Calibri Light" pitchFamily="34" charset="0"/>
@@ -5876,14 +5284,7 @@
                     <a:latin typeface="Calibri Light" pitchFamily="34" charset="0"/>
                     <a:cs typeface="Calibri Light" pitchFamily="34" charset="0"/>
                   </a:rPr>
-                  <a:t>${tab_9_line_1</a:t>
-                </a:r>
-                <a:r>
-                  <a:rPr lang="pl-PL" sz="1000" dirty="0" smtClean="0">
-                    <a:latin typeface="Calibri Light" pitchFamily="34" charset="0"/>
-                    <a:cs typeface="Calibri Light" pitchFamily="34" charset="0"/>
-                  </a:rPr>
-                  <a:t>}</a:t>
+                  <a:t>${tab_9_line_1}</a:t>
                 </a:r>
               </a:p>
               <a:p>
@@ -5892,21 +5293,7 @@
                     <a:latin typeface="Calibri Light" pitchFamily="34" charset="0"/>
                     <a:cs typeface="Calibri Light" pitchFamily="34" charset="0"/>
                   </a:rPr>
-                  <a:t>${</a:t>
-                </a:r>
-                <a:r>
-                  <a:rPr lang="pl-PL" sz="1000" dirty="0" smtClean="0">
-                    <a:latin typeface="Calibri Light" pitchFamily="34" charset="0"/>
-                    <a:cs typeface="Calibri Light" pitchFamily="34" charset="0"/>
-                  </a:rPr>
-                  <a:t>tab_9_line_2</a:t>
-                </a:r>
-                <a:r>
-                  <a:rPr lang="pl-PL" sz="1000" dirty="0" smtClean="0">
-                    <a:latin typeface="Calibri Light" pitchFamily="34" charset="0"/>
-                    <a:cs typeface="Calibri Light" pitchFamily="34" charset="0"/>
-                  </a:rPr>
-                  <a:t>}</a:t>
+                  <a:t>${tab_9_line_2}</a:t>
                 </a:r>
                 <a:endParaRPr lang="en-US" sz="1000" dirty="0">
                   <a:latin typeface="Calibri Light" pitchFamily="34" charset="0"/>
@@ -5919,21 +5306,7 @@
                     <a:latin typeface="Calibri Light" pitchFamily="34" charset="0"/>
                     <a:cs typeface="Calibri Light" pitchFamily="34" charset="0"/>
                   </a:rPr>
-                  <a:t>${</a:t>
-                </a:r>
-                <a:r>
-                  <a:rPr lang="pl-PL" sz="1000" dirty="0" smtClean="0">
-                    <a:latin typeface="Calibri Light" pitchFamily="34" charset="0"/>
-                    <a:cs typeface="Calibri Light" pitchFamily="34" charset="0"/>
-                  </a:rPr>
-                  <a:t>tab_9_line_3</a:t>
-                </a:r>
-                <a:r>
-                  <a:rPr lang="pl-PL" sz="1000" dirty="0" smtClean="0">
-                    <a:latin typeface="Calibri Light" pitchFamily="34" charset="0"/>
-                    <a:cs typeface="Calibri Light" pitchFamily="34" charset="0"/>
-                  </a:rPr>
-                  <a:t>}</a:t>
+                  <a:t>${tab_9_line_3}</a:t>
                 </a:r>
                 <a:endParaRPr lang="pl-PL" sz="1000" dirty="0">
                   <a:latin typeface="Calibri Light" pitchFamily="34" charset="0"/>
@@ -5973,14 +5346,7 @@
                     <a:latin typeface="Calibri Light" pitchFamily="34" charset="0"/>
                     <a:cs typeface="Calibri Light" pitchFamily="34" charset="0"/>
                   </a:rPr>
-                  <a:t>${tab_10_line_1</a:t>
-                </a:r>
-                <a:r>
-                  <a:rPr lang="pl-PL" sz="1000" dirty="0" smtClean="0">
-                    <a:latin typeface="Calibri Light" pitchFamily="34" charset="0"/>
-                    <a:cs typeface="Calibri Light" pitchFamily="34" charset="0"/>
-                  </a:rPr>
-                  <a:t>}</a:t>
+                  <a:t>${tab_10_line_1}</a:t>
                 </a:r>
               </a:p>
               <a:p>
@@ -5989,21 +5355,7 @@
                     <a:latin typeface="Calibri Light" pitchFamily="34" charset="0"/>
                     <a:cs typeface="Calibri Light" pitchFamily="34" charset="0"/>
                   </a:rPr>
-                  <a:t>${</a:t>
-                </a:r>
-                <a:r>
-                  <a:rPr lang="pl-PL" sz="1000" dirty="0" smtClean="0">
-                    <a:latin typeface="Calibri Light" pitchFamily="34" charset="0"/>
-                    <a:cs typeface="Calibri Light" pitchFamily="34" charset="0"/>
-                  </a:rPr>
-                  <a:t>tab_10_line_2</a:t>
-                </a:r>
-                <a:r>
-                  <a:rPr lang="pl-PL" sz="1000" dirty="0" smtClean="0">
-                    <a:latin typeface="Calibri Light" pitchFamily="34" charset="0"/>
-                    <a:cs typeface="Calibri Light" pitchFamily="34" charset="0"/>
-                  </a:rPr>
-                  <a:t>}</a:t>
+                  <a:t>${tab_10_line_2}</a:t>
                 </a:r>
                 <a:endParaRPr lang="en-US" sz="1000" dirty="0">
                   <a:latin typeface="Calibri Light" pitchFamily="34" charset="0"/>
@@ -6016,21 +5368,7 @@
                     <a:latin typeface="Calibri Light" pitchFamily="34" charset="0"/>
                     <a:cs typeface="Calibri Light" pitchFamily="34" charset="0"/>
                   </a:rPr>
-                  <a:t>${</a:t>
-                </a:r>
-                <a:r>
-                  <a:rPr lang="pl-PL" sz="1000" dirty="0" smtClean="0">
-                    <a:latin typeface="Calibri Light" pitchFamily="34" charset="0"/>
-                    <a:cs typeface="Calibri Light" pitchFamily="34" charset="0"/>
-                  </a:rPr>
-                  <a:t>tab_10_line_3</a:t>
-                </a:r>
-                <a:r>
-                  <a:rPr lang="pl-PL" sz="1000" dirty="0" smtClean="0">
-                    <a:latin typeface="Calibri Light" pitchFamily="34" charset="0"/>
-                    <a:cs typeface="Calibri Light" pitchFamily="34" charset="0"/>
-                  </a:rPr>
-                  <a:t>}</a:t>
+                  <a:t>${tab_10_line_3}</a:t>
                 </a:r>
                 <a:endParaRPr lang="pl-PL" sz="1000" dirty="0">
                   <a:latin typeface="Calibri Light" pitchFamily="34" charset="0"/>
@@ -6070,14 +5408,7 @@
                     <a:latin typeface="Calibri Light" pitchFamily="34" charset="0"/>
                     <a:cs typeface="Calibri Light" pitchFamily="34" charset="0"/>
                   </a:rPr>
-                  <a:t>${tab_11_line_1</a:t>
-                </a:r>
-                <a:r>
-                  <a:rPr lang="pl-PL" sz="1000" dirty="0" smtClean="0">
-                    <a:latin typeface="Calibri Light" pitchFamily="34" charset="0"/>
-                    <a:cs typeface="Calibri Light" pitchFamily="34" charset="0"/>
-                  </a:rPr>
-                  <a:t>}</a:t>
+                  <a:t>${tab_11_line_1}</a:t>
                 </a:r>
               </a:p>
               <a:p>
@@ -6086,21 +5417,7 @@
                     <a:latin typeface="Calibri Light" pitchFamily="34" charset="0"/>
                     <a:cs typeface="Calibri Light" pitchFamily="34" charset="0"/>
                   </a:rPr>
-                  <a:t>${</a:t>
-                </a:r>
-                <a:r>
-                  <a:rPr lang="pl-PL" sz="1000" dirty="0" smtClean="0">
-                    <a:latin typeface="Calibri Light" pitchFamily="34" charset="0"/>
-                    <a:cs typeface="Calibri Light" pitchFamily="34" charset="0"/>
-                  </a:rPr>
-                  <a:t>tab_11_line_2</a:t>
-                </a:r>
-                <a:r>
-                  <a:rPr lang="pl-PL" sz="1000" dirty="0" smtClean="0">
-                    <a:latin typeface="Calibri Light" pitchFamily="34" charset="0"/>
-                    <a:cs typeface="Calibri Light" pitchFamily="34" charset="0"/>
-                  </a:rPr>
-                  <a:t>}</a:t>
+                  <a:t>${tab_11_line_2}</a:t>
                 </a:r>
                 <a:endParaRPr lang="en-US" sz="1000" dirty="0">
                   <a:latin typeface="Calibri Light" pitchFamily="34" charset="0"/>
@@ -6113,21 +5430,7 @@
                     <a:latin typeface="Calibri Light" pitchFamily="34" charset="0"/>
                     <a:cs typeface="Calibri Light" pitchFamily="34" charset="0"/>
                   </a:rPr>
-                  <a:t>${</a:t>
-                </a:r>
-                <a:r>
-                  <a:rPr lang="pl-PL" sz="1000" dirty="0" smtClean="0">
-                    <a:latin typeface="Calibri Light" pitchFamily="34" charset="0"/>
-                    <a:cs typeface="Calibri Light" pitchFamily="34" charset="0"/>
-                  </a:rPr>
-                  <a:t>tab_11_line_3</a:t>
-                </a:r>
-                <a:r>
-                  <a:rPr lang="pl-PL" sz="1000" dirty="0" smtClean="0">
-                    <a:latin typeface="Calibri Light" pitchFamily="34" charset="0"/>
-                    <a:cs typeface="Calibri Light" pitchFamily="34" charset="0"/>
-                  </a:rPr>
-                  <a:t>}</a:t>
+                  <a:t>${tab_11_line_3}</a:t>
                 </a:r>
                 <a:endParaRPr lang="pl-PL" sz="1000" dirty="0">
                   <a:latin typeface="Calibri Light" pitchFamily="34" charset="0"/>
@@ -6167,14 +5470,7 @@
                     <a:latin typeface="Calibri Light" pitchFamily="34" charset="0"/>
                     <a:cs typeface="Calibri Light" pitchFamily="34" charset="0"/>
                   </a:rPr>
-                  <a:t>${tab_12_line_1</a:t>
-                </a:r>
-                <a:r>
-                  <a:rPr lang="pl-PL" sz="1000" dirty="0" smtClean="0">
-                    <a:latin typeface="Calibri Light" pitchFamily="34" charset="0"/>
-                    <a:cs typeface="Calibri Light" pitchFamily="34" charset="0"/>
-                  </a:rPr>
-                  <a:t>}</a:t>
+                  <a:t>${tab_12_line_1}</a:t>
                 </a:r>
               </a:p>
               <a:p>
@@ -6183,21 +5479,7 @@
                     <a:latin typeface="Calibri Light" pitchFamily="34" charset="0"/>
                     <a:cs typeface="Calibri Light" pitchFamily="34" charset="0"/>
                   </a:rPr>
-                  <a:t>${</a:t>
-                </a:r>
-                <a:r>
-                  <a:rPr lang="pl-PL" sz="1000" dirty="0" smtClean="0">
-                    <a:latin typeface="Calibri Light" pitchFamily="34" charset="0"/>
-                    <a:cs typeface="Calibri Light" pitchFamily="34" charset="0"/>
-                  </a:rPr>
-                  <a:t>tab_12_line_2</a:t>
-                </a:r>
-                <a:r>
-                  <a:rPr lang="pl-PL" sz="1000" dirty="0" smtClean="0">
-                    <a:latin typeface="Calibri Light" pitchFamily="34" charset="0"/>
-                    <a:cs typeface="Calibri Light" pitchFamily="34" charset="0"/>
-                  </a:rPr>
-                  <a:t>}</a:t>
+                  <a:t>${tab_12_line_2}</a:t>
                 </a:r>
                 <a:endParaRPr lang="en-US" sz="1000" dirty="0">
                   <a:latin typeface="Calibri Light" pitchFamily="34" charset="0"/>
@@ -6210,21 +5492,7 @@
                     <a:latin typeface="Calibri Light" pitchFamily="34" charset="0"/>
                     <a:cs typeface="Calibri Light" pitchFamily="34" charset="0"/>
                   </a:rPr>
-                  <a:t>${</a:t>
-                </a:r>
-                <a:r>
-                  <a:rPr lang="pl-PL" sz="1000" dirty="0" smtClean="0">
-                    <a:latin typeface="Calibri Light" pitchFamily="34" charset="0"/>
-                    <a:cs typeface="Calibri Light" pitchFamily="34" charset="0"/>
-                  </a:rPr>
-                  <a:t>tab_12_line_3</a:t>
-                </a:r>
-                <a:r>
-                  <a:rPr lang="pl-PL" sz="1000" dirty="0" smtClean="0">
-                    <a:latin typeface="Calibri Light" pitchFamily="34" charset="0"/>
-                    <a:cs typeface="Calibri Light" pitchFamily="34" charset="0"/>
-                  </a:rPr>
-                  <a:t>}</a:t>
+                  <a:t>${tab_12_line_3}</a:t>
                 </a:r>
                 <a:endParaRPr lang="pl-PL" sz="1000" dirty="0">
                   <a:latin typeface="Calibri Light" pitchFamily="34" charset="0"/>

--- a/pptx/flyer-letter-landscape-duplex.pptx
+++ b/pptx/flyer-letter-landscape-duplex.pptx
@@ -12,7 +12,7 @@
     <p:sldId id="258" r:id="rId3"/>
   </p:sldIdLst>
   <p:sldSz cx="9601200" cy="7315200"/>
-  <p:notesSz cx="7010400" cy="9296400"/>
+  <p:notesSz cx="6797675" cy="9926638"/>
   <p:defaultTextStyle>
     <a:defPPr>
       <a:defRPr lang="en-US"/>
@@ -146,7 +146,7 @@
         <p:spPr>
           <a:xfrm>
             <a:off x="0" y="0"/>
-            <a:ext cx="3038475" cy="465138"/>
+            <a:ext cx="2946275" cy="496671"/>
           </a:xfrm>
           <a:prstGeom prst="rect">
             <a:avLst/>
@@ -176,8 +176,8 @@
         </p:nvSpPr>
         <p:spPr>
           <a:xfrm>
-            <a:off x="3970338" y="0"/>
-            <a:ext cx="3038475" cy="465138"/>
+            <a:off x="3849862" y="0"/>
+            <a:ext cx="2946275" cy="496671"/>
           </a:xfrm>
           <a:prstGeom prst="rect">
             <a:avLst/>
@@ -194,7 +194,7 @@
             <a:fld id="{E6B69B9A-EBF2-40A2-9D44-D8894D76E5AA}" type="datetimeFigureOut">
               <a:rPr lang="en-US" smtClean="0"/>
               <a:pPr/>
-              <a:t>3/18/2023</a:t>
+              <a:t>3/23/2023</a:t>
             </a:fld>
             <a:endParaRPr lang="en-US"/>
           </a:p>
@@ -212,8 +212,8 @@
         </p:nvSpPr>
         <p:spPr>
           <a:xfrm>
-            <a:off x="1217613" y="696913"/>
-            <a:ext cx="4575175" cy="3486150"/>
+            <a:off x="957263" y="744538"/>
+            <a:ext cx="4883150" cy="3722687"/>
           </a:xfrm>
           <a:prstGeom prst="rect">
             <a:avLst/>
@@ -245,8 +245,8 @@
         </p:nvSpPr>
         <p:spPr>
           <a:xfrm>
-            <a:off x="701675" y="4416425"/>
-            <a:ext cx="5607050" cy="4183063"/>
+            <a:off x="680383" y="4715831"/>
+            <a:ext cx="5436909" cy="4466649"/>
           </a:xfrm>
           <a:prstGeom prst="rect">
             <a:avLst/>
@@ -307,8 +307,8 @@
         </p:nvSpPr>
         <p:spPr>
           <a:xfrm>
-            <a:off x="0" y="8829675"/>
-            <a:ext cx="3038475" cy="465138"/>
+            <a:off x="0" y="9428272"/>
+            <a:ext cx="2946275" cy="496671"/>
           </a:xfrm>
           <a:prstGeom prst="rect">
             <a:avLst/>
@@ -338,8 +338,8 @@
         </p:nvSpPr>
         <p:spPr>
           <a:xfrm>
-            <a:off x="3970338" y="8829675"/>
-            <a:ext cx="3038475" cy="465138"/>
+            <a:off x="3849862" y="9428272"/>
+            <a:ext cx="2946275" cy="496671"/>
           </a:xfrm>
           <a:prstGeom prst="rect">
             <a:avLst/>
@@ -806,7 +806,7 @@
             <a:fld id="{FFAEE2A6-3326-4110-86FD-7999FAF84882}" type="datetimeFigureOut">
               <a:rPr lang="en-US" smtClean="0"/>
               <a:pPr/>
-              <a:t>3/18/2023</a:t>
+              <a:t>3/23/2023</a:t>
             </a:fld>
             <a:endParaRPr lang="en-US"/>
           </a:p>
@@ -973,7 +973,7 @@
             <a:fld id="{FFAEE2A6-3326-4110-86FD-7999FAF84882}" type="datetimeFigureOut">
               <a:rPr lang="en-US" smtClean="0"/>
               <a:pPr/>
-              <a:t>3/18/2023</a:t>
+              <a:t>3/23/2023</a:t>
             </a:fld>
             <a:endParaRPr lang="en-US"/>
           </a:p>
@@ -1150,7 +1150,7 @@
             <a:fld id="{FFAEE2A6-3326-4110-86FD-7999FAF84882}" type="datetimeFigureOut">
               <a:rPr lang="en-US" smtClean="0"/>
               <a:pPr/>
-              <a:t>3/18/2023</a:t>
+              <a:t>3/23/2023</a:t>
             </a:fld>
             <a:endParaRPr lang="en-US"/>
           </a:p>
@@ -1317,7 +1317,7 @@
             <a:fld id="{FFAEE2A6-3326-4110-86FD-7999FAF84882}" type="datetimeFigureOut">
               <a:rPr lang="en-US" smtClean="0"/>
               <a:pPr/>
-              <a:t>3/18/2023</a:t>
+              <a:t>3/23/2023</a:t>
             </a:fld>
             <a:endParaRPr lang="en-US"/>
           </a:p>
@@ -1560,7 +1560,7 @@
             <a:fld id="{FFAEE2A6-3326-4110-86FD-7999FAF84882}" type="datetimeFigureOut">
               <a:rPr lang="en-US" smtClean="0"/>
               <a:pPr/>
-              <a:t>3/18/2023</a:t>
+              <a:t>3/23/2023</a:t>
             </a:fld>
             <a:endParaRPr lang="en-US"/>
           </a:p>
@@ -1845,7 +1845,7 @@
             <a:fld id="{FFAEE2A6-3326-4110-86FD-7999FAF84882}" type="datetimeFigureOut">
               <a:rPr lang="en-US" smtClean="0"/>
               <a:pPr/>
-              <a:t>3/18/2023</a:t>
+              <a:t>3/23/2023</a:t>
             </a:fld>
             <a:endParaRPr lang="en-US"/>
           </a:p>
@@ -2264,7 +2264,7 @@
             <a:fld id="{FFAEE2A6-3326-4110-86FD-7999FAF84882}" type="datetimeFigureOut">
               <a:rPr lang="en-US" smtClean="0"/>
               <a:pPr/>
-              <a:t>3/18/2023</a:t>
+              <a:t>3/23/2023</a:t>
             </a:fld>
             <a:endParaRPr lang="en-US"/>
           </a:p>
@@ -2379,7 +2379,7 @@
             <a:fld id="{FFAEE2A6-3326-4110-86FD-7999FAF84882}" type="datetimeFigureOut">
               <a:rPr lang="en-US" smtClean="0"/>
               <a:pPr/>
-              <a:t>3/18/2023</a:t>
+              <a:t>3/23/2023</a:t>
             </a:fld>
             <a:endParaRPr lang="en-US"/>
           </a:p>
@@ -2471,7 +2471,7 @@
             <a:fld id="{FFAEE2A6-3326-4110-86FD-7999FAF84882}" type="datetimeFigureOut">
               <a:rPr lang="en-US" smtClean="0"/>
               <a:pPr/>
-              <a:t>3/18/2023</a:t>
+              <a:t>3/23/2023</a:t>
             </a:fld>
             <a:endParaRPr lang="en-US"/>
           </a:p>
@@ -2745,7 +2745,7 @@
             <a:fld id="{FFAEE2A6-3326-4110-86FD-7999FAF84882}" type="datetimeFigureOut">
               <a:rPr lang="en-US" smtClean="0"/>
               <a:pPr/>
-              <a:t>3/18/2023</a:t>
+              <a:t>3/23/2023</a:t>
             </a:fld>
             <a:endParaRPr lang="en-US"/>
           </a:p>
@@ -2995,7 +2995,7 @@
             <a:fld id="{FFAEE2A6-3326-4110-86FD-7999FAF84882}" type="datetimeFigureOut">
               <a:rPr lang="en-US" smtClean="0"/>
               <a:pPr/>
-              <a:t>3/18/2023</a:t>
+              <a:t>3/23/2023</a:t>
             </a:fld>
             <a:endParaRPr lang="en-US"/>
           </a:p>
@@ -3205,7 +3205,7 @@
             <a:fld id="{FFAEE2A6-3326-4110-86FD-7999FAF84882}" type="datetimeFigureOut">
               <a:rPr lang="en-US" smtClean="0"/>
               <a:pPr/>
-              <a:t>3/18/2023</a:t>
+              <a:t>3/23/2023</a:t>
             </a:fld>
             <a:endParaRPr lang="en-US"/>
           </a:p>
@@ -4736,8 +4736,8 @@
           <p:nvPr/>
         </p:nvGrpSpPr>
         <p:grpSpPr>
-          <a:xfrm>
-            <a:off x="411480" y="4572000"/>
+          <a:xfrm rot="10800000">
+            <a:off x="411480" y="1"/>
             <a:ext cx="8782290" cy="2743200"/>
             <a:chOff x="411480" y="4572000"/>
             <a:chExt cx="8782290" cy="2743200"/>

--- a/pptx/flyer-letter-landscape-duplex.pptx
+++ b/pptx/flyer-letter-landscape-duplex.pptx
@@ -194,7 +194,7 @@
             <a:fld id="{E6B69B9A-EBF2-40A2-9D44-D8894D76E5AA}" type="datetimeFigureOut">
               <a:rPr lang="en-US" smtClean="0"/>
               <a:pPr/>
-              <a:t>3/23/2023</a:t>
+              <a:t>4/4/2023</a:t>
             </a:fld>
             <a:endParaRPr lang="en-US"/>
           </a:p>
@@ -806,7 +806,7 @@
             <a:fld id="{FFAEE2A6-3326-4110-86FD-7999FAF84882}" type="datetimeFigureOut">
               <a:rPr lang="en-US" smtClean="0"/>
               <a:pPr/>
-              <a:t>3/23/2023</a:t>
+              <a:t>4/4/2023</a:t>
             </a:fld>
             <a:endParaRPr lang="en-US"/>
           </a:p>
@@ -973,7 +973,7 @@
             <a:fld id="{FFAEE2A6-3326-4110-86FD-7999FAF84882}" type="datetimeFigureOut">
               <a:rPr lang="en-US" smtClean="0"/>
               <a:pPr/>
-              <a:t>3/23/2023</a:t>
+              <a:t>4/4/2023</a:t>
             </a:fld>
             <a:endParaRPr lang="en-US"/>
           </a:p>
@@ -1150,7 +1150,7 @@
             <a:fld id="{FFAEE2A6-3326-4110-86FD-7999FAF84882}" type="datetimeFigureOut">
               <a:rPr lang="en-US" smtClean="0"/>
               <a:pPr/>
-              <a:t>3/23/2023</a:t>
+              <a:t>4/4/2023</a:t>
             </a:fld>
             <a:endParaRPr lang="en-US"/>
           </a:p>
@@ -1317,7 +1317,7 @@
             <a:fld id="{FFAEE2A6-3326-4110-86FD-7999FAF84882}" type="datetimeFigureOut">
               <a:rPr lang="en-US" smtClean="0"/>
               <a:pPr/>
-              <a:t>3/23/2023</a:t>
+              <a:t>4/4/2023</a:t>
             </a:fld>
             <a:endParaRPr lang="en-US"/>
           </a:p>
@@ -1560,7 +1560,7 @@
             <a:fld id="{FFAEE2A6-3326-4110-86FD-7999FAF84882}" type="datetimeFigureOut">
               <a:rPr lang="en-US" smtClean="0"/>
               <a:pPr/>
-              <a:t>3/23/2023</a:t>
+              <a:t>4/4/2023</a:t>
             </a:fld>
             <a:endParaRPr lang="en-US"/>
           </a:p>
@@ -1845,7 +1845,7 @@
             <a:fld id="{FFAEE2A6-3326-4110-86FD-7999FAF84882}" type="datetimeFigureOut">
               <a:rPr lang="en-US" smtClean="0"/>
               <a:pPr/>
-              <a:t>3/23/2023</a:t>
+              <a:t>4/4/2023</a:t>
             </a:fld>
             <a:endParaRPr lang="en-US"/>
           </a:p>
@@ -2264,7 +2264,7 @@
             <a:fld id="{FFAEE2A6-3326-4110-86FD-7999FAF84882}" type="datetimeFigureOut">
               <a:rPr lang="en-US" smtClean="0"/>
               <a:pPr/>
-              <a:t>3/23/2023</a:t>
+              <a:t>4/4/2023</a:t>
             </a:fld>
             <a:endParaRPr lang="en-US"/>
           </a:p>
@@ -2379,7 +2379,7 @@
             <a:fld id="{FFAEE2A6-3326-4110-86FD-7999FAF84882}" type="datetimeFigureOut">
               <a:rPr lang="en-US" smtClean="0"/>
               <a:pPr/>
-              <a:t>3/23/2023</a:t>
+              <a:t>4/4/2023</a:t>
             </a:fld>
             <a:endParaRPr lang="en-US"/>
           </a:p>
@@ -2471,7 +2471,7 @@
             <a:fld id="{FFAEE2A6-3326-4110-86FD-7999FAF84882}" type="datetimeFigureOut">
               <a:rPr lang="en-US" smtClean="0"/>
               <a:pPr/>
-              <a:t>3/23/2023</a:t>
+              <a:t>4/4/2023</a:t>
             </a:fld>
             <a:endParaRPr lang="en-US"/>
           </a:p>
@@ -2745,7 +2745,7 @@
             <a:fld id="{FFAEE2A6-3326-4110-86FD-7999FAF84882}" type="datetimeFigureOut">
               <a:rPr lang="en-US" smtClean="0"/>
               <a:pPr/>
-              <a:t>3/23/2023</a:t>
+              <a:t>4/4/2023</a:t>
             </a:fld>
             <a:endParaRPr lang="en-US"/>
           </a:p>
@@ -2995,7 +2995,7 @@
             <a:fld id="{FFAEE2A6-3326-4110-86FD-7999FAF84882}" type="datetimeFigureOut">
               <a:rPr lang="en-US" smtClean="0"/>
               <a:pPr/>
-              <a:t>3/23/2023</a:t>
+              <a:t>4/4/2023</a:t>
             </a:fld>
             <a:endParaRPr lang="en-US"/>
           </a:p>
@@ -3205,7 +3205,7 @@
             <a:fld id="{FFAEE2A6-3326-4110-86FD-7999FAF84882}" type="datetimeFigureOut">
               <a:rPr lang="en-US" smtClean="0"/>
               <a:pPr/>
-              <a:t>3/23/2023</a:t>
+              <a:t>4/4/2023</a:t>
             </a:fld>
             <a:endParaRPr lang="en-US"/>
           </a:p>
@@ -3677,7 +3677,7 @@
               </a:ln>
             </p:spPr>
             <p:txBody>
-              <a:bodyPr vert="vert" wrap="none" lIns="45720" tIns="182880" rIns="45720" bIns="0" rtlCol="0" anchor="ctr" anchorCtr="0">
+              <a:bodyPr vert="vert" wrap="none" lIns="45720" tIns="274320" rIns="45720" bIns="0" rtlCol="0" anchor="ctr" anchorCtr="0">
                 <a:normAutofit/>
               </a:bodyPr>
               <a:lstStyle/>
@@ -3721,7 +3721,7 @@
               </a:ln>
             </p:spPr>
             <p:txBody>
-              <a:bodyPr vert="vert" wrap="none" lIns="45720" tIns="182880" rIns="45720" bIns="0" rtlCol="0" anchor="ctr" anchorCtr="0">
+              <a:bodyPr vert="vert" wrap="none" lIns="45720" tIns="274320" rIns="45720" bIns="0" rtlCol="0" anchor="ctr" anchorCtr="0">
                 <a:normAutofit/>
               </a:bodyPr>
               <a:lstStyle/>
@@ -3765,7 +3765,7 @@
               </a:ln>
             </p:spPr>
             <p:txBody>
-              <a:bodyPr vert="vert" wrap="none" lIns="45720" tIns="182880" rIns="45720" bIns="0" rtlCol="0" anchor="ctr" anchorCtr="0">
+              <a:bodyPr vert="vert" wrap="none" lIns="45720" tIns="274320" rIns="45720" bIns="0" rtlCol="0" anchor="ctr" anchorCtr="0">
                 <a:normAutofit/>
               </a:bodyPr>
               <a:lstStyle/>
@@ -3809,7 +3809,7 @@
               </a:ln>
             </p:spPr>
             <p:txBody>
-              <a:bodyPr vert="vert" wrap="none" lIns="45720" tIns="182880" rIns="45720" bIns="0" rtlCol="0" anchor="ctr" anchorCtr="0">
+              <a:bodyPr vert="vert" wrap="none" lIns="45720" tIns="274320" rIns="45720" bIns="0" rtlCol="0" anchor="ctr" anchorCtr="0">
                 <a:normAutofit/>
               </a:bodyPr>
               <a:lstStyle/>
@@ -3853,7 +3853,7 @@
               </a:ln>
             </p:spPr>
             <p:txBody>
-              <a:bodyPr vert="vert" wrap="none" lIns="45720" tIns="182880" rIns="45720" bIns="0" rtlCol="0" anchor="ctr" anchorCtr="0">
+              <a:bodyPr vert="vert" wrap="none" lIns="45720" tIns="274320" rIns="45720" bIns="0" rtlCol="0" anchor="ctr" anchorCtr="0">
                 <a:normAutofit/>
               </a:bodyPr>
               <a:lstStyle/>
@@ -3897,7 +3897,7 @@
               </a:ln>
             </p:spPr>
             <p:txBody>
-              <a:bodyPr vert="vert" wrap="none" lIns="45720" tIns="182880" rIns="45720" bIns="0" rtlCol="0" anchor="ctr" anchorCtr="0">
+              <a:bodyPr vert="vert" wrap="none" lIns="45720" tIns="274320" rIns="45720" bIns="0" rtlCol="0" anchor="ctr" anchorCtr="0">
                 <a:normAutofit/>
               </a:bodyPr>
               <a:lstStyle/>
@@ -3941,7 +3941,7 @@
               </a:ln>
             </p:spPr>
             <p:txBody>
-              <a:bodyPr vert="vert" wrap="none" lIns="45720" tIns="182880" rIns="45720" bIns="0" rtlCol="0" anchor="ctr" anchorCtr="0">
+              <a:bodyPr vert="vert" wrap="none" lIns="45720" tIns="274320" rIns="45720" bIns="0" rtlCol="0" anchor="ctr" anchorCtr="0">
                 <a:normAutofit/>
               </a:bodyPr>
               <a:lstStyle/>
@@ -3985,7 +3985,7 @@
               </a:ln>
             </p:spPr>
             <p:txBody>
-              <a:bodyPr vert="vert" wrap="none" lIns="45720" tIns="182880" rIns="45720" bIns="0" rtlCol="0" anchor="ctr" anchorCtr="0">
+              <a:bodyPr vert="vert" wrap="none" lIns="45720" tIns="274320" rIns="45720" bIns="0" rtlCol="0" anchor="ctr" anchorCtr="0">
                 <a:normAutofit/>
               </a:bodyPr>
               <a:lstStyle/>
@@ -4029,7 +4029,7 @@
               </a:ln>
             </p:spPr>
             <p:txBody>
-              <a:bodyPr vert="vert" wrap="none" lIns="45720" tIns="182880" rIns="45720" bIns="0" rtlCol="0" anchor="ctr" anchorCtr="0">
+              <a:bodyPr vert="vert" wrap="none" lIns="45720" tIns="274320" rIns="45720" bIns="0" rtlCol="0" anchor="ctr" anchorCtr="0">
                 <a:normAutofit/>
               </a:bodyPr>
               <a:lstStyle/>
@@ -4073,7 +4073,7 @@
               </a:ln>
             </p:spPr>
             <p:txBody>
-              <a:bodyPr vert="vert" wrap="none" lIns="45720" tIns="182880" rIns="45720" bIns="0" rtlCol="0" anchor="ctr" anchorCtr="0">
+              <a:bodyPr vert="vert" wrap="none" lIns="45720" tIns="274320" rIns="45720" bIns="0" rtlCol="0" anchor="ctr" anchorCtr="0">
                 <a:normAutofit/>
               </a:bodyPr>
               <a:lstStyle/>
@@ -4117,7 +4117,7 @@
               </a:ln>
             </p:spPr>
             <p:txBody>
-              <a:bodyPr vert="vert" wrap="none" lIns="45720" tIns="182880" rIns="45720" bIns="0" rtlCol="0" anchor="ctr" anchorCtr="0">
+              <a:bodyPr vert="vert" wrap="none" lIns="45720" tIns="274320" rIns="45720" bIns="0" rtlCol="0" anchor="ctr" anchorCtr="0">
                 <a:normAutofit/>
               </a:bodyPr>
               <a:lstStyle/>
@@ -4161,7 +4161,7 @@
               </a:ln>
             </p:spPr>
             <p:txBody>
-              <a:bodyPr vert="vert" wrap="none" lIns="45720" tIns="182880" rIns="45720" bIns="0" rtlCol="0" anchor="ctr" anchorCtr="0">
+              <a:bodyPr vert="vert" wrap="none" lIns="45720" tIns="274320" rIns="45720" bIns="0" rtlCol="0" anchor="ctr" anchorCtr="0">
                 <a:normAutofit/>
               </a:bodyPr>
               <a:lstStyle/>
@@ -4778,7 +4778,7 @@
               </a:ln>
             </p:spPr>
             <p:txBody>
-              <a:bodyPr vert="vert" wrap="none" lIns="45720" tIns="182880" rIns="45720" bIns="0" rtlCol="0" anchor="ctr" anchorCtr="0">
+              <a:bodyPr vert="vert" wrap="none" lIns="45720" tIns="274320" rIns="45720" bIns="0" rtlCol="0" anchor="ctr" anchorCtr="0">
                 <a:normAutofit/>
               </a:bodyPr>
               <a:lstStyle/>
@@ -4840,7 +4840,7 @@
               </a:ln>
             </p:spPr>
             <p:txBody>
-              <a:bodyPr vert="vert" wrap="none" lIns="45720" tIns="182880" rIns="45720" bIns="0" rtlCol="0" anchor="ctr" anchorCtr="0">
+              <a:bodyPr vert="vert" wrap="none" lIns="45720" tIns="274320" rIns="45720" bIns="0" rtlCol="0" anchor="ctr" anchorCtr="0">
                 <a:normAutofit/>
               </a:bodyPr>
               <a:lstStyle/>
@@ -4902,7 +4902,7 @@
               </a:ln>
             </p:spPr>
             <p:txBody>
-              <a:bodyPr vert="vert" wrap="none" lIns="45720" tIns="182880" rIns="45720" bIns="0" rtlCol="0" anchor="ctr" anchorCtr="0">
+              <a:bodyPr vert="vert" wrap="none" lIns="45720" tIns="274320" rIns="45720" bIns="0" rtlCol="0" anchor="ctr" anchorCtr="0">
                 <a:normAutofit/>
               </a:bodyPr>
               <a:lstStyle/>
@@ -4964,7 +4964,7 @@
               </a:ln>
             </p:spPr>
             <p:txBody>
-              <a:bodyPr vert="vert" wrap="none" lIns="45720" tIns="182880" rIns="45720" bIns="0" rtlCol="0" anchor="ctr" anchorCtr="0">
+              <a:bodyPr vert="vert" wrap="none" lIns="45720" tIns="274320" rIns="45720" bIns="0" rtlCol="0" anchor="ctr" anchorCtr="0">
                 <a:normAutofit/>
               </a:bodyPr>
               <a:lstStyle/>
@@ -5026,7 +5026,7 @@
               </a:ln>
             </p:spPr>
             <p:txBody>
-              <a:bodyPr vert="vert" wrap="none" lIns="45720" tIns="182880" rIns="45720" bIns="0" rtlCol="0" anchor="ctr" anchorCtr="0">
+              <a:bodyPr vert="vert" wrap="none" lIns="45720" tIns="274320" rIns="45720" bIns="0" rtlCol="0" anchor="ctr" anchorCtr="0">
                 <a:normAutofit/>
               </a:bodyPr>
               <a:lstStyle/>
@@ -5088,7 +5088,7 @@
               </a:ln>
             </p:spPr>
             <p:txBody>
-              <a:bodyPr vert="vert" wrap="none" lIns="45720" tIns="182880" rIns="45720" bIns="0" rtlCol="0" anchor="ctr" anchorCtr="0">
+              <a:bodyPr vert="vert" wrap="none" lIns="45720" tIns="274320" rIns="45720" bIns="0" rtlCol="0" anchor="ctr" anchorCtr="0">
                 <a:normAutofit/>
               </a:bodyPr>
               <a:lstStyle/>
@@ -5150,7 +5150,7 @@
               </a:ln>
             </p:spPr>
             <p:txBody>
-              <a:bodyPr vert="vert" wrap="none" lIns="45720" tIns="182880" rIns="45720" bIns="0" rtlCol="0" anchor="ctr" anchorCtr="0">
+              <a:bodyPr vert="vert" wrap="none" lIns="45720" tIns="274320" rIns="45720" bIns="0" rtlCol="0" anchor="ctr" anchorCtr="0">
                 <a:normAutofit/>
               </a:bodyPr>
               <a:lstStyle/>
@@ -5212,7 +5212,7 @@
               </a:ln>
             </p:spPr>
             <p:txBody>
-              <a:bodyPr vert="vert" wrap="none" lIns="45720" tIns="182880" rIns="45720" bIns="0" rtlCol="0" anchor="ctr" anchorCtr="0">
+              <a:bodyPr vert="vert" wrap="none" lIns="45720" tIns="274320" rIns="45720" bIns="0" rtlCol="0" anchor="ctr" anchorCtr="0">
                 <a:normAutofit/>
               </a:bodyPr>
               <a:lstStyle/>
@@ -5274,7 +5274,7 @@
               </a:ln>
             </p:spPr>
             <p:txBody>
-              <a:bodyPr vert="vert" wrap="none" lIns="45720" tIns="182880" rIns="45720" bIns="0" rtlCol="0" anchor="ctr" anchorCtr="0">
+              <a:bodyPr vert="vert" wrap="none" lIns="45720" tIns="274320" rIns="45720" bIns="0" rtlCol="0" anchor="ctr" anchorCtr="0">
                 <a:normAutofit/>
               </a:bodyPr>
               <a:lstStyle/>
@@ -5336,7 +5336,7 @@
               </a:ln>
             </p:spPr>
             <p:txBody>
-              <a:bodyPr vert="vert" wrap="none" lIns="45720" tIns="182880" rIns="45720" bIns="0" rtlCol="0" anchor="ctr" anchorCtr="0">
+              <a:bodyPr vert="vert" wrap="none" lIns="45720" tIns="274320" rIns="45720" bIns="0" rtlCol="0" anchor="ctr" anchorCtr="0">
                 <a:normAutofit/>
               </a:bodyPr>
               <a:lstStyle/>
@@ -5398,7 +5398,7 @@
               </a:ln>
             </p:spPr>
             <p:txBody>
-              <a:bodyPr vert="vert" wrap="none" lIns="45720" tIns="182880" rIns="45720" bIns="0" rtlCol="0" anchor="ctr" anchorCtr="0">
+              <a:bodyPr vert="vert" wrap="none" lIns="45720" tIns="274320" rIns="45720" bIns="0" rtlCol="0" anchor="ctr" anchorCtr="0">
                 <a:normAutofit/>
               </a:bodyPr>
               <a:lstStyle/>
@@ -5460,7 +5460,7 @@
               </a:ln>
             </p:spPr>
             <p:txBody>
-              <a:bodyPr vert="vert" wrap="none" lIns="45720" tIns="182880" rIns="45720" bIns="0" rtlCol="0" anchor="ctr" anchorCtr="0">
+              <a:bodyPr vert="vert" wrap="none" lIns="45720" tIns="274320" rIns="45720" bIns="0" rtlCol="0" anchor="ctr" anchorCtr="0">
                 <a:normAutofit/>
               </a:bodyPr>
               <a:lstStyle/>
